--- a/src/main/resources/templates/template.pptx
+++ b/src/main/resources/templates/template.pptx
@@ -104,6 +104,11 @@
       </a:defRPr>
     </a:lvl9pPr>
   </p:defaultTextStyle>
+  <p:extLst>
+    <p:ext uri="{EFAFB233-063F-42B5-8137-9DF3F51BA10A}">
+      <p15:sldGuideLst xmlns:p15="http://schemas.microsoft.com/office/powerpoint/2012/main"/>
+    </p:ext>
+  </p:extLst>
 </p:presentation>
 </file>
 
@@ -254,7 +259,7 @@
           <a:p>
             <a:fld id="{0C4411FB-EA70-4270-A720-2C204B6FC9A9}" type="datetimeFigureOut">
               <a:rPr lang="ko-KR" altLang="en-US" smtClean="0"/>
-              <a:t>2025-06-20</a:t>
+              <a:t>2025-06-23</a:t>
             </a:fld>
             <a:endParaRPr lang="ko-KR" altLang="en-US"/>
           </a:p>
@@ -452,7 +457,7 @@
           <a:p>
             <a:fld id="{0C4411FB-EA70-4270-A720-2C204B6FC9A9}" type="datetimeFigureOut">
               <a:rPr lang="ko-KR" altLang="en-US" smtClean="0"/>
-              <a:t>2025-06-20</a:t>
+              <a:t>2025-06-23</a:t>
             </a:fld>
             <a:endParaRPr lang="ko-KR" altLang="en-US"/>
           </a:p>
@@ -660,7 +665,7 @@
           <a:p>
             <a:fld id="{0C4411FB-EA70-4270-A720-2C204B6FC9A9}" type="datetimeFigureOut">
               <a:rPr lang="ko-KR" altLang="en-US" smtClean="0"/>
-              <a:t>2025-06-20</a:t>
+              <a:t>2025-06-23</a:t>
             </a:fld>
             <a:endParaRPr lang="ko-KR" altLang="en-US"/>
           </a:p>
@@ -858,7 +863,7 @@
           <a:p>
             <a:fld id="{0C4411FB-EA70-4270-A720-2C204B6FC9A9}" type="datetimeFigureOut">
               <a:rPr lang="ko-KR" altLang="en-US" smtClean="0"/>
-              <a:t>2025-06-20</a:t>
+              <a:t>2025-06-23</a:t>
             </a:fld>
             <a:endParaRPr lang="ko-KR" altLang="en-US"/>
           </a:p>
@@ -1133,7 +1138,7 @@
           <a:p>
             <a:fld id="{0C4411FB-EA70-4270-A720-2C204B6FC9A9}" type="datetimeFigureOut">
               <a:rPr lang="ko-KR" altLang="en-US" smtClean="0"/>
-              <a:t>2025-06-20</a:t>
+              <a:t>2025-06-23</a:t>
             </a:fld>
             <a:endParaRPr lang="ko-KR" altLang="en-US"/>
           </a:p>
@@ -1398,7 +1403,7 @@
           <a:p>
             <a:fld id="{0C4411FB-EA70-4270-A720-2C204B6FC9A9}" type="datetimeFigureOut">
               <a:rPr lang="ko-KR" altLang="en-US" smtClean="0"/>
-              <a:t>2025-06-20</a:t>
+              <a:t>2025-06-23</a:t>
             </a:fld>
             <a:endParaRPr lang="ko-KR" altLang="en-US"/>
           </a:p>
@@ -1810,7 +1815,7 @@
           <a:p>
             <a:fld id="{0C4411FB-EA70-4270-A720-2C204B6FC9A9}" type="datetimeFigureOut">
               <a:rPr lang="ko-KR" altLang="en-US" smtClean="0"/>
-              <a:t>2025-06-20</a:t>
+              <a:t>2025-06-23</a:t>
             </a:fld>
             <a:endParaRPr lang="ko-KR" altLang="en-US"/>
           </a:p>
@@ -1951,7 +1956,7 @@
           <a:p>
             <a:fld id="{0C4411FB-EA70-4270-A720-2C204B6FC9A9}" type="datetimeFigureOut">
               <a:rPr lang="ko-KR" altLang="en-US" smtClean="0"/>
-              <a:t>2025-06-20</a:t>
+              <a:t>2025-06-23</a:t>
             </a:fld>
             <a:endParaRPr lang="ko-KR" altLang="en-US"/>
           </a:p>
@@ -2064,7 +2069,7 @@
           <a:p>
             <a:fld id="{0C4411FB-EA70-4270-A720-2C204B6FC9A9}" type="datetimeFigureOut">
               <a:rPr lang="ko-KR" altLang="en-US" smtClean="0"/>
-              <a:t>2025-06-20</a:t>
+              <a:t>2025-06-23</a:t>
             </a:fld>
             <a:endParaRPr lang="ko-KR" altLang="en-US"/>
           </a:p>
@@ -2375,7 +2380,7 @@
           <a:p>
             <a:fld id="{0C4411FB-EA70-4270-A720-2C204B6FC9A9}" type="datetimeFigureOut">
               <a:rPr lang="ko-KR" altLang="en-US" smtClean="0"/>
-              <a:t>2025-06-20</a:t>
+              <a:t>2025-06-23</a:t>
             </a:fld>
             <a:endParaRPr lang="ko-KR" altLang="en-US"/>
           </a:p>
@@ -2663,7 +2668,7 @@
           <a:p>
             <a:fld id="{0C4411FB-EA70-4270-A720-2C204B6FC9A9}" type="datetimeFigureOut">
               <a:rPr lang="ko-KR" altLang="en-US" smtClean="0"/>
-              <a:t>2025-06-20</a:t>
+              <a:t>2025-06-23</a:t>
             </a:fld>
             <a:endParaRPr lang="ko-KR" altLang="en-US"/>
           </a:p>
@@ -2904,7 +2909,7 @@
           <a:p>
             <a:fld id="{0C4411FB-EA70-4270-A720-2C204B6FC9A9}" type="datetimeFigureOut">
               <a:rPr lang="ko-KR" altLang="en-US" smtClean="0"/>
-              <a:t>2025-06-20</a:t>
+              <a:t>2025-06-23</a:t>
             </a:fld>
             <a:endParaRPr lang="ko-KR" altLang="en-US"/>
           </a:p>
@@ -3343,10 +3348,18 @@
           <a:lstStyle/>
           <a:p>
             <a:r>
-              <a:rPr lang="en-US" altLang="ko-KR" dirty="0"/>
+              <a:rPr lang="en-US" altLang="ko-KR" dirty="0">
+                <a:solidFill>
+                  <a:srgbClr val="FF0000"/>
+                </a:solidFill>
+              </a:rPr>
               <a:t>${title}</a:t>
             </a:r>
-            <a:endParaRPr lang="ko-KR" altLang="en-US" dirty="0"/>
+            <a:endParaRPr lang="ko-KR" altLang="en-US" dirty="0">
+              <a:solidFill>
+                <a:srgbClr val="FF0000"/>
+              </a:solidFill>
+            </a:endParaRPr>
           </a:p>
         </p:txBody>
       </p:sp>
@@ -3372,7 +3385,221 @@
           <a:lstStyle/>
           <a:p>
             <a:r>
-              <a:rPr lang="en-US" altLang="ko-KR" dirty="0"/>
+              <a:rPr lang="en-US" altLang="ko-KR" dirty="0">
+                <a:solidFill>
+                  <a:srgbClr val="002060"/>
+                </a:solidFill>
+                <a:highlight>
+                  <a:srgbClr val="FFFF00"/>
+                </a:highlight>
+              </a:rPr>
+              <a:t>${content}</a:t>
+            </a:r>
+            <a:endParaRPr lang="ko-KR" altLang="en-US" dirty="0">
+              <a:solidFill>
+                <a:srgbClr val="002060"/>
+              </a:solidFill>
+              <a:highlight>
+                <a:srgbClr val="FFFF00"/>
+              </a:highlight>
+            </a:endParaRPr>
+          </a:p>
+        </p:txBody>
+      </p:sp>
+      <p:sp>
+        <p:nvSpPr>
+          <p:cNvPr id="4" name="부제목 2">
+            <a:extLst>
+              <a:ext uri="{FF2B5EF4-FFF2-40B4-BE49-F238E27FC236}">
+                <a16:creationId xmlns:a16="http://schemas.microsoft.com/office/drawing/2014/main" id="{57564F38-B9DA-AA03-0589-2A85C587B0FF}"/>
+              </a:ext>
+            </a:extLst>
+          </p:cNvPr>
+          <p:cNvSpPr txBox="1">
+            <a:spLocks/>
+          </p:cNvSpPr>
+          <p:nvPr/>
+        </p:nvSpPr>
+        <p:spPr>
+          <a:xfrm>
+            <a:off x="1524000" y="3920693"/>
+            <a:ext cx="9144000" cy="1655762"/>
+          </a:xfrm>
+          <a:prstGeom prst="rect">
+            <a:avLst/>
+          </a:prstGeom>
+        </p:spPr>
+        <p:txBody>
+          <a:bodyPr vert="horz" lIns="91440" tIns="45720" rIns="91440" bIns="45720" rtlCol="0">
+            <a:normAutofit/>
+          </a:bodyPr>
+          <a:lstStyle>
+            <a:lvl1pPr marL="0" indent="0" algn="ctr" defTabSz="914400" rtl="0" eaLnBrk="1" latinLnBrk="1" hangingPunct="1">
+              <a:lnSpc>
+                <a:spcPct val="90000"/>
+              </a:lnSpc>
+              <a:spcBef>
+                <a:spcPts val="1000"/>
+              </a:spcBef>
+              <a:buFont typeface="Arial" panose="020B0604020202020204" pitchFamily="34" charset="0"/>
+              <a:buNone/>
+              <a:defRPr sz="2400" kern="1200">
+                <a:solidFill>
+                  <a:schemeClr val="tx1"/>
+                </a:solidFill>
+                <a:latin typeface="+mn-lt"/>
+                <a:ea typeface="+mn-ea"/>
+                <a:cs typeface="+mn-cs"/>
+              </a:defRPr>
+            </a:lvl1pPr>
+            <a:lvl2pPr marL="457200" indent="0" algn="ctr" defTabSz="914400" rtl="0" eaLnBrk="1" latinLnBrk="1" hangingPunct="1">
+              <a:lnSpc>
+                <a:spcPct val="90000"/>
+              </a:lnSpc>
+              <a:spcBef>
+                <a:spcPts val="500"/>
+              </a:spcBef>
+              <a:buFont typeface="Arial" panose="020B0604020202020204" pitchFamily="34" charset="0"/>
+              <a:buNone/>
+              <a:defRPr sz="2000" kern="1200">
+                <a:solidFill>
+                  <a:schemeClr val="tx1"/>
+                </a:solidFill>
+                <a:latin typeface="+mn-lt"/>
+                <a:ea typeface="+mn-ea"/>
+                <a:cs typeface="+mn-cs"/>
+              </a:defRPr>
+            </a:lvl2pPr>
+            <a:lvl3pPr marL="914400" indent="0" algn="ctr" defTabSz="914400" rtl="0" eaLnBrk="1" latinLnBrk="1" hangingPunct="1">
+              <a:lnSpc>
+                <a:spcPct val="90000"/>
+              </a:lnSpc>
+              <a:spcBef>
+                <a:spcPts val="500"/>
+              </a:spcBef>
+              <a:buFont typeface="Arial" panose="020B0604020202020204" pitchFamily="34" charset="0"/>
+              <a:buNone/>
+              <a:defRPr sz="1800" kern="1200">
+                <a:solidFill>
+                  <a:schemeClr val="tx1"/>
+                </a:solidFill>
+                <a:latin typeface="+mn-lt"/>
+                <a:ea typeface="+mn-ea"/>
+                <a:cs typeface="+mn-cs"/>
+              </a:defRPr>
+            </a:lvl3pPr>
+            <a:lvl4pPr marL="1371600" indent="0" algn="ctr" defTabSz="914400" rtl="0" eaLnBrk="1" latinLnBrk="1" hangingPunct="1">
+              <a:lnSpc>
+                <a:spcPct val="90000"/>
+              </a:lnSpc>
+              <a:spcBef>
+                <a:spcPts val="500"/>
+              </a:spcBef>
+              <a:buFont typeface="Arial" panose="020B0604020202020204" pitchFamily="34" charset="0"/>
+              <a:buNone/>
+              <a:defRPr sz="1600" kern="1200">
+                <a:solidFill>
+                  <a:schemeClr val="tx1"/>
+                </a:solidFill>
+                <a:latin typeface="+mn-lt"/>
+                <a:ea typeface="+mn-ea"/>
+                <a:cs typeface="+mn-cs"/>
+              </a:defRPr>
+            </a:lvl4pPr>
+            <a:lvl5pPr marL="1828800" indent="0" algn="ctr" defTabSz="914400" rtl="0" eaLnBrk="1" latinLnBrk="1" hangingPunct="1">
+              <a:lnSpc>
+                <a:spcPct val="90000"/>
+              </a:lnSpc>
+              <a:spcBef>
+                <a:spcPts val="500"/>
+              </a:spcBef>
+              <a:buFont typeface="Arial" panose="020B0604020202020204" pitchFamily="34" charset="0"/>
+              <a:buNone/>
+              <a:defRPr sz="1600" kern="1200">
+                <a:solidFill>
+                  <a:schemeClr val="tx1"/>
+                </a:solidFill>
+                <a:latin typeface="+mn-lt"/>
+                <a:ea typeface="+mn-ea"/>
+                <a:cs typeface="+mn-cs"/>
+              </a:defRPr>
+            </a:lvl5pPr>
+            <a:lvl6pPr marL="2286000" indent="0" algn="ctr" defTabSz="914400" rtl="0" eaLnBrk="1" latinLnBrk="1" hangingPunct="1">
+              <a:lnSpc>
+                <a:spcPct val="90000"/>
+              </a:lnSpc>
+              <a:spcBef>
+                <a:spcPts val="500"/>
+              </a:spcBef>
+              <a:buFont typeface="Arial" panose="020B0604020202020204" pitchFamily="34" charset="0"/>
+              <a:buNone/>
+              <a:defRPr sz="1600" kern="1200">
+                <a:solidFill>
+                  <a:schemeClr val="tx1"/>
+                </a:solidFill>
+                <a:latin typeface="+mn-lt"/>
+                <a:ea typeface="+mn-ea"/>
+                <a:cs typeface="+mn-cs"/>
+              </a:defRPr>
+            </a:lvl6pPr>
+            <a:lvl7pPr marL="2743200" indent="0" algn="ctr" defTabSz="914400" rtl="0" eaLnBrk="1" latinLnBrk="1" hangingPunct="1">
+              <a:lnSpc>
+                <a:spcPct val="90000"/>
+              </a:lnSpc>
+              <a:spcBef>
+                <a:spcPts val="500"/>
+              </a:spcBef>
+              <a:buFont typeface="Arial" panose="020B0604020202020204" pitchFamily="34" charset="0"/>
+              <a:buNone/>
+              <a:defRPr sz="1600" kern="1200">
+                <a:solidFill>
+                  <a:schemeClr val="tx1"/>
+                </a:solidFill>
+                <a:latin typeface="+mn-lt"/>
+                <a:ea typeface="+mn-ea"/>
+                <a:cs typeface="+mn-cs"/>
+              </a:defRPr>
+            </a:lvl7pPr>
+            <a:lvl8pPr marL="3200400" indent="0" algn="ctr" defTabSz="914400" rtl="0" eaLnBrk="1" latinLnBrk="1" hangingPunct="1">
+              <a:lnSpc>
+                <a:spcPct val="90000"/>
+              </a:lnSpc>
+              <a:spcBef>
+                <a:spcPts val="500"/>
+              </a:spcBef>
+              <a:buFont typeface="Arial" panose="020B0604020202020204" pitchFamily="34" charset="0"/>
+              <a:buNone/>
+              <a:defRPr sz="1600" kern="1200">
+                <a:solidFill>
+                  <a:schemeClr val="tx1"/>
+                </a:solidFill>
+                <a:latin typeface="+mn-lt"/>
+                <a:ea typeface="+mn-ea"/>
+                <a:cs typeface="+mn-cs"/>
+              </a:defRPr>
+            </a:lvl8pPr>
+            <a:lvl9pPr marL="3657600" indent="0" algn="ctr" defTabSz="914400" rtl="0" eaLnBrk="1" latinLnBrk="1" hangingPunct="1">
+              <a:lnSpc>
+                <a:spcPct val="90000"/>
+              </a:lnSpc>
+              <a:spcBef>
+                <a:spcPts val="500"/>
+              </a:spcBef>
+              <a:buFont typeface="Arial" panose="020B0604020202020204" pitchFamily="34" charset="0"/>
+              <a:buNone/>
+              <a:defRPr sz="1600" kern="1200">
+                <a:solidFill>
+                  <a:schemeClr val="tx1"/>
+                </a:solidFill>
+                <a:latin typeface="+mn-lt"/>
+                <a:ea typeface="+mn-ea"/>
+                <a:cs typeface="+mn-cs"/>
+              </a:defRPr>
+            </a:lvl9pPr>
+          </a:lstStyle>
+          <a:p>
+            <a:r>
+              <a:rPr lang="en-US" altLang="ko-KR"/>
               <a:t>${content}</a:t>
             </a:r>
             <a:endParaRPr lang="ko-KR" altLang="en-US" dirty="0"/>
